--- a/20230920_Suricata安裝_410570451_侯怡萱.pptx
+++ b/20230920_Suricata安裝_410570451_侯怡萱.pptx
@@ -7,6 +7,8 @@
   <p:sldIdLst>
     <p:sldId id="256" r:id="rId2"/>
     <p:sldId id="257" r:id="rId3"/>
+    <p:sldId id="258" r:id="rId4"/>
+    <p:sldId id="259" r:id="rId5"/>
   </p:sldIdLst>
   <p:sldSz cx="12192000" cy="6858000"/>
   <p:notesSz cx="6858000" cy="9144000"/>
@@ -105,6 +107,11 @@
       </a:defRPr>
     </a:lvl9pPr>
   </p:defaultTextStyle>
+  <p:extLst>
+    <p:ext uri="{EFAFB233-063F-42B5-8137-9DF3F51BA10A}">
+      <p15:sldGuideLst xmlns:p15="http://schemas.microsoft.com/office/powerpoint/2012/main"/>
+    </p:ext>
+  </p:extLst>
 </p:presentation>
 </file>
 
@@ -3407,7 +3414,12 @@
             <p:ph type="title"/>
           </p:nvPr>
         </p:nvSpPr>
-        <p:spPr/>
+        <p:spPr>
+          <a:xfrm>
+            <a:off x="2095064" y="632677"/>
+            <a:ext cx="7729728" cy="1188720"/>
+          </a:xfrm>
+        </p:spPr>
         <p:txBody>
           <a:bodyPr/>
           <a:lstStyle/>
@@ -3433,35 +3445,223 @@
           </a:p>
         </p:txBody>
       </p:sp>
-      <p:sp>
-        <p:nvSpPr>
-          <p:cNvPr id="3" name="內容版面配置區 2">
+      <p:pic>
+        <p:nvPicPr>
+          <p:cNvPr id="5" name="內容版面配置區 4">
             <a:extLst>
               <a:ext uri="{FF2B5EF4-FFF2-40B4-BE49-F238E27FC236}">
-                <a16:creationId xmlns:a16="http://schemas.microsoft.com/office/drawing/2014/main" id="{21BA0503-3665-2AD6-AFB8-08B109FA8BBA}"/>
+                <a16:creationId xmlns:a16="http://schemas.microsoft.com/office/drawing/2014/main" id="{183D8DBD-FF41-99FB-0238-3D29F88756DC}"/>
               </a:ext>
             </a:extLst>
           </p:cNvPr>
-          <p:cNvSpPr>
-            <a:spLocks noGrp="1"/>
-          </p:cNvSpPr>
+          <p:cNvPicPr>
+            <a:picLocks noGrp="1" noChangeAspect="1"/>
+          </p:cNvPicPr>
           <p:nvPr>
             <p:ph idx="1"/>
           </p:nvPr>
-        </p:nvSpPr>
-        <p:spPr/>
-        <p:txBody>
-          <a:bodyPr/>
-          <a:lstStyle/>
-          <a:p>
-            <a:endParaRPr lang="zh-TW" altLang="en-US"/>
-          </a:p>
-        </p:txBody>
-      </p:sp>
+        </p:nvPicPr>
+        <p:blipFill>
+          <a:blip r:embed="rId2"/>
+          <a:stretch>
+            <a:fillRect/>
+          </a:stretch>
+        </p:blipFill>
+        <p:spPr>
+          <a:xfrm>
+            <a:off x="2887397" y="2011898"/>
+            <a:ext cx="6305589" cy="4577829"/>
+          </a:xfrm>
+        </p:spPr>
+      </p:pic>
     </p:spTree>
     <p:extLst>
       <p:ext uri="{BB962C8B-B14F-4D97-AF65-F5344CB8AC3E}">
         <p14:creationId xmlns:p14="http://schemas.microsoft.com/office/powerpoint/2010/main" val="1263649448"/>
+      </p:ext>
+    </p:extLst>
+  </p:cSld>
+  <p:clrMapOvr>
+    <a:masterClrMapping/>
+  </p:clrMapOvr>
+</p:sld>
+</file>
+
+<file path=ppt/slides/slide3.xml><?xml version="1.0" encoding="utf-8"?>
+<p:sld xmlns:a="http://schemas.openxmlformats.org/drawingml/2006/main" xmlns:r="http://schemas.openxmlformats.org/officeDocument/2006/relationships" xmlns:p="http://schemas.openxmlformats.org/presentationml/2006/main">
+  <p:cSld>
+    <p:spTree>
+      <p:nvGrpSpPr>
+        <p:cNvPr id="1" name=""/>
+        <p:cNvGrpSpPr/>
+        <p:nvPr/>
+      </p:nvGrpSpPr>
+      <p:grpSpPr>
+        <a:xfrm>
+          <a:off x="0" y="0"/>
+          <a:ext cx="0" cy="0"/>
+          <a:chOff x="0" y="0"/>
+          <a:chExt cx="0" cy="0"/>
+        </a:xfrm>
+      </p:grpSpPr>
+      <p:sp>
+        <p:nvSpPr>
+          <p:cNvPr id="2" name="標題 1">
+            <a:extLst>
+              <a:ext uri="{FF2B5EF4-FFF2-40B4-BE49-F238E27FC236}">
+                <a16:creationId xmlns:a16="http://schemas.microsoft.com/office/drawing/2014/main" id="{CF549C3C-0598-5EBC-9155-3836F415F278}"/>
+              </a:ext>
+            </a:extLst>
+          </p:cNvPr>
+          <p:cNvSpPr>
+            <a:spLocks noGrp="1"/>
+          </p:cNvSpPr>
+          <p:nvPr>
+            <p:ph type="title"/>
+          </p:nvPr>
+        </p:nvSpPr>
+        <p:spPr/>
+        <p:txBody>
+          <a:bodyPr/>
+          <a:lstStyle/>
+          <a:p>
+            <a:r>
+              <a:rPr lang="zh-TW" altLang="en-US" dirty="0"/>
+              <a:t>開啟終端機</a:t>
+            </a:r>
+          </a:p>
+        </p:txBody>
+      </p:sp>
+      <p:sp>
+        <p:nvSpPr>
+          <p:cNvPr id="3" name="內容版面配置區 2">
+            <a:extLst>
+              <a:ext uri="{FF2B5EF4-FFF2-40B4-BE49-F238E27FC236}">
+                <a16:creationId xmlns:a16="http://schemas.microsoft.com/office/drawing/2014/main" id="{26C1CC9E-EF82-F6F9-285C-7E3554D9D032}"/>
+              </a:ext>
+            </a:extLst>
+          </p:cNvPr>
+          <p:cNvSpPr>
+            <a:spLocks noGrp="1"/>
+          </p:cNvSpPr>
+          <p:nvPr>
+            <p:ph idx="1"/>
+          </p:nvPr>
+        </p:nvSpPr>
+        <p:spPr>
+          <a:xfrm>
+            <a:off x="-3146407" y="-464384"/>
+            <a:ext cx="7729728" cy="3101983"/>
+          </a:xfrm>
+        </p:spPr>
+        <p:txBody>
+          <a:bodyPr/>
+          <a:lstStyle/>
+          <a:p>
+            <a:r>
+              <a:rPr kumimoji="1" lang="zh-TW" altLang="en-US" dirty="0"/>
+              <a:t>按下</a:t>
+            </a:r>
+            <a:r>
+              <a:rPr kumimoji="1" lang="en-US" altLang="zh-TW" dirty="0"/>
+              <a:t>Ctrl+Alt+F3</a:t>
+            </a:r>
+            <a:r>
+              <a:rPr kumimoji="1" lang="zh-TW" altLang="en-US" dirty="0"/>
+              <a:t>即可開啟終端機</a:t>
+            </a:r>
+            <a:endParaRPr lang="zh-TW" altLang="en-US" dirty="0"/>
+          </a:p>
+        </p:txBody>
+      </p:sp>
+    </p:spTree>
+    <p:extLst>
+      <p:ext uri="{BB962C8B-B14F-4D97-AF65-F5344CB8AC3E}">
+        <p14:creationId xmlns:p14="http://schemas.microsoft.com/office/powerpoint/2010/main" val="1237151473"/>
+      </p:ext>
+    </p:extLst>
+  </p:cSld>
+  <p:clrMapOvr>
+    <a:masterClrMapping/>
+  </p:clrMapOvr>
+</p:sld>
+</file>
+
+<file path=ppt/slides/slide4.xml><?xml version="1.0" encoding="utf-8"?>
+<p:sld xmlns:a="http://schemas.openxmlformats.org/drawingml/2006/main" xmlns:r="http://schemas.openxmlformats.org/officeDocument/2006/relationships" xmlns:p="http://schemas.openxmlformats.org/presentationml/2006/main">
+  <p:cSld>
+    <p:spTree>
+      <p:nvGrpSpPr>
+        <p:cNvPr id="1" name=""/>
+        <p:cNvGrpSpPr/>
+        <p:nvPr/>
+      </p:nvGrpSpPr>
+      <p:grpSpPr>
+        <a:xfrm>
+          <a:off x="0" y="0"/>
+          <a:ext cx="0" cy="0"/>
+          <a:chOff x="0" y="0"/>
+          <a:chExt cx="0" cy="0"/>
+        </a:xfrm>
+      </p:grpSpPr>
+      <p:sp>
+        <p:nvSpPr>
+          <p:cNvPr id="2" name="標題 1">
+            <a:extLst>
+              <a:ext uri="{FF2B5EF4-FFF2-40B4-BE49-F238E27FC236}">
+                <a16:creationId xmlns:a16="http://schemas.microsoft.com/office/drawing/2014/main" id="{9871AB22-45DC-712C-DD1A-8687E1AD1D63}"/>
+              </a:ext>
+            </a:extLst>
+          </p:cNvPr>
+          <p:cNvSpPr>
+            <a:spLocks noGrp="1"/>
+          </p:cNvSpPr>
+          <p:nvPr>
+            <p:ph type="title"/>
+          </p:nvPr>
+        </p:nvSpPr>
+        <p:spPr/>
+        <p:txBody>
+          <a:bodyPr/>
+          <a:lstStyle/>
+          <a:p>
+            <a:endParaRPr lang="zh-TW" altLang="en-US"/>
+          </a:p>
+        </p:txBody>
+      </p:sp>
+      <p:pic>
+        <p:nvPicPr>
+          <p:cNvPr id="5" name="內容版面配置區 4">
+            <a:extLst>
+              <a:ext uri="{FF2B5EF4-FFF2-40B4-BE49-F238E27FC236}">
+                <a16:creationId xmlns:a16="http://schemas.microsoft.com/office/drawing/2014/main" id="{884DB482-A231-CB86-015B-55B285C457AD}"/>
+              </a:ext>
+            </a:extLst>
+          </p:cNvPr>
+          <p:cNvPicPr>
+            <a:picLocks noGrp="1" noChangeAspect="1"/>
+          </p:cNvPicPr>
+          <p:nvPr>
+            <p:ph idx="1"/>
+          </p:nvPr>
+        </p:nvPicPr>
+        <p:blipFill>
+          <a:blip r:embed="rId2"/>
+          <a:stretch>
+            <a:fillRect/>
+          </a:stretch>
+        </p:blipFill>
+        <p:spPr>
+          <a:xfrm>
+            <a:off x="3390796" y="2051025"/>
+            <a:ext cx="5811986" cy="4283735"/>
+          </a:xfrm>
+        </p:spPr>
+      </p:pic>
+    </p:spTree>
+    <p:extLst>
+      <p:ext uri="{BB962C8B-B14F-4D97-AF65-F5344CB8AC3E}">
+        <p14:creationId xmlns:p14="http://schemas.microsoft.com/office/powerpoint/2010/main" val="1561682696"/>
       </p:ext>
     </p:extLst>
   </p:cSld>
